--- a/day_12/GradientBoosting.pptx
+++ b/day_12/GradientBoosting.pptx
@@ -9,6 +9,9 @@
     <p:sldId id="256" r:id="rId4"/>
     <p:sldId id="257" r:id="rId5"/>
     <p:sldId id="258" r:id="rId6"/>
+    <p:sldId id="259" r:id="rId7"/>
+    <p:sldId id="260" r:id="rId8"/>
+    <p:sldId id="261" r:id="rId9"/>
   </p:sldIdLst>
   <p:sldSz cx="9144000" cy="6858000"/>
   <p:notesSz cx="7772400" cy="10058400"/>
@@ -2780,13 +2783,7 @@
               <a:rPr b="0" lang="en-US" sz="4400" spc="-1" strike="noStrike">
                 <a:latin typeface="Arial"/>
               </a:rPr>
-              <a:t>Click to edit the title text </a:t>
-            </a:r>
-            <a:r>
-              <a:rPr b="0" lang="en-US" sz="4400" spc="-1" strike="noStrike">
-                <a:latin typeface="Arial"/>
-              </a:rPr>
-              <a:t>format</a:t>
+              <a:t>Click to edit the title text format</a:t>
             </a:r>
             <a:endParaRPr b="0" lang="en-US" sz="4400" spc="-1" strike="noStrike">
               <a:latin typeface="Arial"/>
@@ -3532,9 +3529,168 @@
           <a:chExt cx="0" cy="0"/>
         </a:xfrm>
       </p:grpSpPr>
-      <p:sp>
-        <p:nvSpPr>
-          <p:cNvPr id="81" name="CustomShape 1"/>
+      <p:pic>
+        <p:nvPicPr>
+          <p:cNvPr id="81" name="" descr=""/>
+          <p:cNvPicPr/>
+          <p:nvPr/>
+        </p:nvPicPr>
+        <p:blipFill>
+          <a:blip r:embed="rId1"/>
+          <a:stretch/>
+        </p:blipFill>
+        <p:spPr>
+          <a:xfrm>
+            <a:off x="457200" y="457200"/>
+            <a:ext cx="7972560" cy="5856120"/>
+          </a:xfrm>
+          <a:prstGeom prst="rect">
+            <a:avLst/>
+          </a:prstGeom>
+          <a:ln>
+            <a:noFill/>
+          </a:ln>
+        </p:spPr>
+      </p:pic>
+    </p:spTree>
+  </p:cSld>
+  <mc:AlternateContent>
+    <mc:Choice Requires="p14">
+      <p:transition spd="slow" p14:dur="2000"/>
+    </mc:Choice>
+    <mc:Fallback>
+      <p:transition spd="slow"/>
+    </mc:Fallback>
+  </mc:AlternateContent>
+</p:sld>
+</file>
+
+<file path=ppt/slides/slide4.xml><?xml version="1.0" encoding="utf-8"?>
+<p:sld xmlns:a="http://schemas.openxmlformats.org/drawingml/2006/main" xmlns:p="http://schemas.openxmlformats.org/presentationml/2006/main" xmlns:r="http://schemas.openxmlformats.org/officeDocument/2006/relationships" xmlns:p14="http://schemas.microsoft.com/office/powerpoint/2010/main" xmlns:p15="http://schemas.microsoft.com/office/powerpoint/2012/main" xmlns:mc="http://schemas.openxmlformats.org/markup-compatibility/2006">
+  <p:cSld>
+    <p:spTree>
+      <p:nvGrpSpPr>
+        <p:cNvPr id="1" name=""/>
+        <p:cNvGrpSpPr/>
+        <p:nvPr/>
+      </p:nvGrpSpPr>
+      <p:grpSpPr>
+        <a:xfrm>
+          <a:off x="0" y="0"/>
+          <a:ext cx="0" cy="0"/>
+          <a:chOff x="0" y="0"/>
+          <a:chExt cx="0" cy="0"/>
+        </a:xfrm>
+      </p:grpSpPr>
+      <p:pic>
+        <p:nvPicPr>
+          <p:cNvPr id="82" name="" descr=""/>
+          <p:cNvPicPr/>
+          <p:nvPr/>
+        </p:nvPicPr>
+        <p:blipFill>
+          <a:blip r:embed="rId1"/>
+          <a:stretch/>
+        </p:blipFill>
+        <p:spPr>
+          <a:xfrm>
+            <a:off x="348480" y="2194560"/>
+            <a:ext cx="8521200" cy="2011320"/>
+          </a:xfrm>
+          <a:prstGeom prst="rect">
+            <a:avLst/>
+          </a:prstGeom>
+          <a:ln>
+            <a:noFill/>
+          </a:ln>
+        </p:spPr>
+      </p:pic>
+    </p:spTree>
+  </p:cSld>
+  <mc:AlternateContent>
+    <mc:Choice Requires="p14">
+      <p:transition spd="slow" p14:dur="2000"/>
+    </mc:Choice>
+    <mc:Fallback>
+      <p:transition spd="slow"/>
+    </mc:Fallback>
+  </mc:AlternateContent>
+</p:sld>
+</file>
+
+<file path=ppt/slides/slide5.xml><?xml version="1.0" encoding="utf-8"?>
+<p:sld xmlns:a="http://schemas.openxmlformats.org/drawingml/2006/main" xmlns:p="http://schemas.openxmlformats.org/presentationml/2006/main" xmlns:r="http://schemas.openxmlformats.org/officeDocument/2006/relationships" xmlns:p14="http://schemas.microsoft.com/office/powerpoint/2010/main" xmlns:p15="http://schemas.microsoft.com/office/powerpoint/2012/main" xmlns:mc="http://schemas.openxmlformats.org/markup-compatibility/2006">
+  <p:cSld>
+    <p:spTree>
+      <p:nvGrpSpPr>
+        <p:cNvPr id="1" name=""/>
+        <p:cNvGrpSpPr/>
+        <p:nvPr/>
+      </p:nvGrpSpPr>
+      <p:grpSpPr>
+        <a:xfrm>
+          <a:off x="0" y="0"/>
+          <a:ext cx="0" cy="0"/>
+          <a:chOff x="0" y="0"/>
+          <a:chExt cx="0" cy="0"/>
+        </a:xfrm>
+      </p:grpSpPr>
+      <p:pic>
+        <p:nvPicPr>
+          <p:cNvPr id="83" name="" descr=""/>
+          <p:cNvPicPr/>
+          <p:nvPr/>
+        </p:nvPicPr>
+        <p:blipFill>
+          <a:blip r:embed="rId1"/>
+          <a:stretch/>
+        </p:blipFill>
+        <p:spPr>
+          <a:xfrm>
+            <a:off x="335880" y="914400"/>
+            <a:ext cx="8076600" cy="5392080"/>
+          </a:xfrm>
+          <a:prstGeom prst="rect">
+            <a:avLst/>
+          </a:prstGeom>
+          <a:ln>
+            <a:noFill/>
+          </a:ln>
+        </p:spPr>
+      </p:pic>
+    </p:spTree>
+  </p:cSld>
+  <mc:AlternateContent>
+    <mc:Choice Requires="p14">
+      <p:transition spd="slow" p14:dur="2000"/>
+    </mc:Choice>
+    <mc:Fallback>
+      <p:transition spd="slow"/>
+    </mc:Fallback>
+  </mc:AlternateContent>
+</p:sld>
+</file>
+
+<file path=ppt/slides/slide6.xml><?xml version="1.0" encoding="utf-8"?>
+<p:sld xmlns:a="http://schemas.openxmlformats.org/drawingml/2006/main" xmlns:p="http://schemas.openxmlformats.org/presentationml/2006/main" xmlns:r="http://schemas.openxmlformats.org/officeDocument/2006/relationships" xmlns:p14="http://schemas.microsoft.com/office/powerpoint/2010/main" xmlns:p15="http://schemas.microsoft.com/office/powerpoint/2012/main" xmlns:mc="http://schemas.openxmlformats.org/markup-compatibility/2006">
+  <p:cSld>
+    <p:spTree>
+      <p:nvGrpSpPr>
+        <p:cNvPr id="1" name=""/>
+        <p:cNvGrpSpPr/>
+        <p:nvPr/>
+      </p:nvGrpSpPr>
+      <p:grpSpPr>
+        <a:xfrm>
+          <a:off x="0" y="0"/>
+          <a:ext cx="0" cy="0"/>
+          <a:chOff x="0" y="0"/>
+          <a:chExt cx="0" cy="0"/>
+        </a:xfrm>
+      </p:grpSpPr>
+      <p:sp>
+        <p:nvSpPr>
+          <p:cNvPr id="84" name="CustomShape 1"/>
           <p:cNvSpPr/>
           <p:nvPr/>
         </p:nvSpPr>
